--- a/clases/01-bienvenida.pptx
+++ b/clases/01-bienvenida.pptx
@@ -11,8 +11,8 @@
     <p:sldId id="256" r:id="rId2"/>
     <p:sldId id="267" r:id="rId3"/>
     <p:sldId id="257" r:id="rId4"/>
-    <p:sldId id="269" r:id="rId5"/>
-    <p:sldId id="259" r:id="rId6"/>
+    <p:sldId id="259" r:id="rId5"/>
+    <p:sldId id="269" r:id="rId6"/>
     <p:sldId id="270" r:id="rId7"/>
     <p:sldId id="271" r:id="rId8"/>
     <p:sldId id="273" r:id="rId9"/>
@@ -9316,7 +9316,7 @@
           <p:cNvPr id="2" name="Título 1">
             <a:extLst>
               <a:ext uri="{FF2B5EF4-FFF2-40B4-BE49-F238E27FC236}">
-                <a16:creationId xmlns:a16="http://schemas.microsoft.com/office/drawing/2014/main" id="{C14EBB09-0EED-4C96-AA86-AAD1D9631D4F}"/>
+                <a16:creationId xmlns:a16="http://schemas.microsoft.com/office/drawing/2014/main" id="{3AF49B74-E007-496D-ABBE-A17E2ED5765F}"/>
               </a:ext>
             </a:extLst>
           </p:cNvPr>
@@ -9325,6 +9325,68 @@
           </p:cNvSpPr>
           <p:nvPr>
             <p:ph type="ctrTitle"/>
+          </p:nvPr>
+        </p:nvSpPr>
+        <p:spPr/>
+        <p:txBody>
+          <a:bodyPr>
+            <a:normAutofit fontScale="90000"/>
+          </a:bodyPr>
+          <a:lstStyle/>
+          <a:p>
+            <a:r>
+              <a:rPr lang="es-ES" dirty="0"/>
+              <a:t>Acerca del Profesor</a:t>
+            </a:r>
+            <a:endParaRPr lang="es-CL" dirty="0"/>
+          </a:p>
+        </p:txBody>
+      </p:sp>
+      <p:pic>
+        <p:nvPicPr>
+          <p:cNvPr id="18" name="Marcador de posición de imagen 17" descr="Mapa&#10;&#10;Descripción generada automáticamente">
+            <a:extLst>
+              <a:ext uri="{FF2B5EF4-FFF2-40B4-BE49-F238E27FC236}">
+                <a16:creationId xmlns:a16="http://schemas.microsoft.com/office/drawing/2014/main" id="{EB074998-5F9B-9A51-6DE1-95F99E7DF7AA}"/>
+              </a:ext>
+            </a:extLst>
+          </p:cNvPr>
+          <p:cNvPicPr>
+            <a:picLocks noGrp="1" noChangeAspect="1"/>
+          </p:cNvPicPr>
+          <p:nvPr>
+            <p:ph type="pic" idx="1"/>
+          </p:nvPr>
+        </p:nvPicPr>
+        <p:blipFill>
+          <a:blip r:embed="rId2">
+            <a:extLst>
+              <a:ext uri="{28A0092B-C50C-407E-A947-70E740481C1C}">
+                <a14:useLocalDpi xmlns:a14="http://schemas.microsoft.com/office/drawing/2010/main" val="0"/>
+              </a:ext>
+            </a:extLst>
+          </a:blip>
+          <a:srcRect l="2296" r="2296"/>
+          <a:stretch>
+            <a:fillRect/>
+          </a:stretch>
+        </p:blipFill>
+        <p:spPr/>
+      </p:pic>
+      <p:sp>
+        <p:nvSpPr>
+          <p:cNvPr id="4" name="Marcador de texto 3">
+            <a:extLst>
+              <a:ext uri="{FF2B5EF4-FFF2-40B4-BE49-F238E27FC236}">
+                <a16:creationId xmlns:a16="http://schemas.microsoft.com/office/drawing/2014/main" id="{A0DC2E76-B6EF-46E8-BBA7-08C0FF52C638}"/>
+              </a:ext>
+            </a:extLst>
+          </p:cNvPr>
+          <p:cNvSpPr>
+            <a:spLocks noGrp="1"/>
+          </p:cNvSpPr>
+          <p:nvPr>
+            <p:ph type="body" idx="10"/>
           </p:nvPr>
         </p:nvSpPr>
         <p:spPr/>
@@ -9332,9 +9394,51 @@
           <a:bodyPr/>
           <a:lstStyle/>
           <a:p>
+            <a:pPr marL="285750" indent="-285750">
+              <a:buFontTx/>
+              <a:buChar char="-"/>
+            </a:pPr>
             <a:r>
               <a:rPr lang="es-ES" dirty="0"/>
-              <a:t>Acerca del Curso</a:t>
+              <a:t>Magíster Estadística.</a:t>
+            </a:r>
+          </a:p>
+          <a:p>
+            <a:pPr marL="285750" indent="-285750">
+              <a:buFontTx/>
+              <a:buChar char="-"/>
+            </a:pPr>
+            <a:r>
+              <a:rPr lang="es-ES" dirty="0"/>
+              <a:t>10 años en Riesgo Crédito.</a:t>
+            </a:r>
+          </a:p>
+          <a:p>
+            <a:pPr marL="285750" indent="-285750">
+              <a:buFontTx/>
+              <a:buChar char="-"/>
+            </a:pPr>
+            <a:r>
+              <a:rPr lang="es-ES" dirty="0"/>
+              <a:t>Profesor de distintos cursos de </a:t>
+            </a:r>
+            <a:r>
+              <a:rPr lang="es-ES" dirty="0" err="1"/>
+              <a:t>pregardo</a:t>
+            </a:r>
+            <a:r>
+              <a:rPr lang="es-ES" dirty="0"/>
+              <a:t>, diplomados y magíster.</a:t>
+            </a:r>
+          </a:p>
+          <a:p>
+            <a:pPr marL="285750" indent="-285750">
+              <a:buFontTx/>
+              <a:buChar char="-"/>
+            </a:pPr>
+            <a:r>
+              <a:rPr lang="es-ES" dirty="0"/>
+              <a:t>Desarrollador de paquetes de R.</a:t>
             </a:r>
             <a:endParaRPr lang="es-CL" dirty="0"/>
           </a:p>
@@ -9342,10 +9446,10 @@
       </p:sp>
       <p:sp>
         <p:nvSpPr>
-          <p:cNvPr id="3" name="Marcador de texto 2">
-            <a:extLst>
-              <a:ext uri="{FF2B5EF4-FFF2-40B4-BE49-F238E27FC236}">
-                <a16:creationId xmlns:a16="http://schemas.microsoft.com/office/drawing/2014/main" id="{AEC3911E-7A8C-41F3-991C-5CA2F0560598}"/>
+          <p:cNvPr id="5" name="Marcador de texto 4">
+            <a:extLst>
+              <a:ext uri="{FF2B5EF4-FFF2-40B4-BE49-F238E27FC236}">
+                <a16:creationId xmlns:a16="http://schemas.microsoft.com/office/drawing/2014/main" id="{2F475CEB-FD7F-443E-8795-F238F1937B3A}"/>
               </a:ext>
             </a:extLst>
           </p:cNvPr>
@@ -9356,313 +9460,116 @@
             <p:ph type="body" sz="quarter" idx="11"/>
           </p:nvPr>
         </p:nvSpPr>
-        <p:spPr>
-          <a:xfrm>
-            <a:off x="695326" y="2939236"/>
-            <a:ext cx="1041852" cy="1041852"/>
-          </a:xfrm>
-        </p:spPr>
+        <p:spPr/>
         <p:txBody>
           <a:bodyPr/>
           <a:lstStyle/>
           <a:p>
             <a:r>
-              <a:rPr lang="es-ES" dirty="0"/>
-              <a:t>01</a:t>
-            </a:r>
-            <a:endParaRPr lang="es-CL" dirty="0"/>
-          </a:p>
-        </p:txBody>
-      </p:sp>
-      <p:sp>
-        <p:nvSpPr>
-          <p:cNvPr id="4" name="Marcador de texto 3">
-            <a:extLst>
-              <a:ext uri="{FF2B5EF4-FFF2-40B4-BE49-F238E27FC236}">
-                <a16:creationId xmlns:a16="http://schemas.microsoft.com/office/drawing/2014/main" id="{FD021310-3E29-4874-8486-1938FA25FA22}"/>
-              </a:ext>
-            </a:extLst>
-          </p:cNvPr>
-          <p:cNvSpPr>
-            <a:spLocks noGrp="1"/>
-          </p:cNvSpPr>
-          <p:nvPr>
-            <p:ph type="body" sz="quarter" idx="12"/>
-          </p:nvPr>
-        </p:nvSpPr>
-        <p:spPr>
-          <a:xfrm>
-            <a:off x="1737179" y="2939236"/>
-            <a:ext cx="4215946" cy="1041852"/>
-          </a:xfrm>
-        </p:spPr>
-        <p:txBody>
-          <a:bodyPr/>
-          <a:lstStyle/>
-          <a:p>
-            <a:r>
-              <a:rPr lang="es-CL" b="1" dirty="0"/>
-              <a:t>Comprender los fundamentos teóricos</a:t>
-            </a:r>
-          </a:p>
-          <a:p>
-            <a:r>
-              <a:rPr lang="es-ES" dirty="0"/>
-              <a:t>Principios y conceptos fundamentales de </a:t>
-            </a:r>
-            <a:r>
-              <a:rPr lang="es-ES" dirty="0" err="1"/>
-              <a:t>dataviz</a:t>
-            </a:r>
-            <a:r>
-              <a:rPr lang="es-ES" dirty="0"/>
-              <a:t>: modelo conceptual, transformaciones de datos, representaciones visuales.</a:t>
-            </a:r>
-            <a:endParaRPr lang="es-CL" dirty="0"/>
-          </a:p>
-        </p:txBody>
-      </p:sp>
-      <p:sp>
-        <p:nvSpPr>
-          <p:cNvPr id="5" name="Marcador de texto 4">
-            <a:extLst>
-              <a:ext uri="{FF2B5EF4-FFF2-40B4-BE49-F238E27FC236}">
-                <a16:creationId xmlns:a16="http://schemas.microsoft.com/office/drawing/2014/main" id="{88B72D23-8990-4DF4-82E2-AC34D87897CC}"/>
-              </a:ext>
-            </a:extLst>
-          </p:cNvPr>
-          <p:cNvSpPr>
-            <a:spLocks noGrp="1"/>
-          </p:cNvSpPr>
-          <p:nvPr>
-            <p:ph type="body" sz="quarter" idx="13"/>
-          </p:nvPr>
-        </p:nvSpPr>
-        <p:spPr>
-          <a:xfrm>
-            <a:off x="6238877" y="2939236"/>
-            <a:ext cx="1041852" cy="1041852"/>
-          </a:xfrm>
-        </p:spPr>
-        <p:txBody>
-          <a:bodyPr/>
-          <a:lstStyle/>
-          <a:p>
-            <a:r>
-              <a:rPr lang="es-ES" dirty="0"/>
-              <a:t>02</a:t>
-            </a:r>
-            <a:endParaRPr lang="es-CL" dirty="0"/>
-          </a:p>
-        </p:txBody>
-      </p:sp>
-      <p:sp>
-        <p:nvSpPr>
-          <p:cNvPr id="6" name="Marcador de texto 5">
-            <a:extLst>
-              <a:ext uri="{FF2B5EF4-FFF2-40B4-BE49-F238E27FC236}">
-                <a16:creationId xmlns:a16="http://schemas.microsoft.com/office/drawing/2014/main" id="{A941F3D3-076D-4B02-96EE-1990A130DC74}"/>
-              </a:ext>
-            </a:extLst>
-          </p:cNvPr>
-          <p:cNvSpPr>
-            <a:spLocks noGrp="1"/>
-          </p:cNvSpPr>
-          <p:nvPr>
-            <p:ph type="body" sz="quarter" idx="14"/>
-          </p:nvPr>
-        </p:nvSpPr>
-        <p:spPr>
-          <a:xfrm>
-            <a:off x="7280729" y="2939236"/>
-            <a:ext cx="4215947" cy="1041852"/>
-          </a:xfrm>
-        </p:spPr>
-        <p:txBody>
-          <a:bodyPr/>
-          <a:lstStyle/>
-          <a:p>
-            <a:r>
-              <a:rPr lang="es-ES" b="1" dirty="0"/>
-              <a:t>Técnicas de diseño efectivas</a:t>
-            </a:r>
-          </a:p>
-          <a:p>
-            <a:r>
-              <a:rPr lang="es-ES" dirty="0"/>
-              <a:t>Comprensión de las tareas y audiencias, selección de representaciones visuales adecuadas, aplicación de principios de diseño y la evaluación de la usabilidad de las visualizaciones.</a:t>
-            </a:r>
-            <a:endParaRPr lang="es-CL" dirty="0"/>
-          </a:p>
-        </p:txBody>
-      </p:sp>
-      <p:sp>
-        <p:nvSpPr>
-          <p:cNvPr id="11" name="Marcador de texto 10">
-            <a:extLst>
-              <a:ext uri="{FF2B5EF4-FFF2-40B4-BE49-F238E27FC236}">
-                <a16:creationId xmlns:a16="http://schemas.microsoft.com/office/drawing/2014/main" id="{17C90545-10ED-4469-B380-EA20591C0E1B}"/>
-              </a:ext>
-            </a:extLst>
-          </p:cNvPr>
-          <p:cNvSpPr>
-            <a:spLocks noGrp="1"/>
-          </p:cNvSpPr>
-          <p:nvPr>
-            <p:ph type="body" sz="quarter" idx="19"/>
-          </p:nvPr>
-        </p:nvSpPr>
-        <p:spPr>
-          <a:xfrm>
-            <a:off x="695325" y="4145736"/>
-            <a:ext cx="1041852" cy="1041852"/>
-          </a:xfrm>
-        </p:spPr>
-        <p:txBody>
-          <a:bodyPr/>
-          <a:lstStyle/>
-          <a:p>
-            <a:r>
-              <a:rPr lang="es-ES" dirty="0"/>
-              <a:t>03</a:t>
-            </a:r>
-            <a:endParaRPr lang="es-CL" dirty="0"/>
-          </a:p>
-        </p:txBody>
-      </p:sp>
-      <p:sp>
-        <p:nvSpPr>
-          <p:cNvPr id="12" name="Marcador de texto 11">
-            <a:extLst>
-              <a:ext uri="{FF2B5EF4-FFF2-40B4-BE49-F238E27FC236}">
-                <a16:creationId xmlns:a16="http://schemas.microsoft.com/office/drawing/2014/main" id="{FA1CC9F1-2751-47B0-965C-9D66AFAA4B54}"/>
-              </a:ext>
-            </a:extLst>
-          </p:cNvPr>
-          <p:cNvSpPr>
-            <a:spLocks noGrp="1"/>
-          </p:cNvSpPr>
-          <p:nvPr>
-            <p:ph type="body" sz="quarter" idx="20"/>
-          </p:nvPr>
-        </p:nvSpPr>
-        <p:spPr>
-          <a:xfrm>
-            <a:off x="1737177" y="4145736"/>
-            <a:ext cx="4215947" cy="1041852"/>
-          </a:xfrm>
-          <a:solidFill>
-            <a:schemeClr val="bg1"/>
-          </a:solidFill>
-        </p:spPr>
-        <p:txBody>
-          <a:bodyPr lIns="216000" tIns="216000" rIns="216000" bIns="216000" anchor="ctr" anchorCtr="0"/>
-          <a:lstStyle/>
-          <a:p>
-            <a:r>
-              <a:rPr lang="es-ES" b="1" dirty="0"/>
-              <a:t>Herramientas y tecnologías</a:t>
-            </a:r>
-          </a:p>
-          <a:p>
-            <a:r>
-              <a:rPr lang="es-ES" dirty="0"/>
-              <a:t>Adquirir habilidades prácticas en el uso de herramientas y tecnologías específicas para la visualización de datos: ggplot2, </a:t>
-            </a:r>
-            <a:r>
-              <a:rPr lang="es-ES" dirty="0" err="1"/>
-              <a:t>htmlwidgets</a:t>
-            </a:r>
-            <a:r>
-              <a:rPr lang="es-ES" dirty="0"/>
-              <a:t>, </a:t>
-            </a:r>
-            <a:r>
-              <a:rPr lang="es-ES" dirty="0" err="1"/>
-              <a:t>shiny</a:t>
-            </a:r>
-            <a:endParaRPr lang="es-CL" dirty="0"/>
-          </a:p>
-        </p:txBody>
-      </p:sp>
-      <p:sp>
-        <p:nvSpPr>
-          <p:cNvPr id="13" name="Marcador de texto 12">
-            <a:extLst>
-              <a:ext uri="{FF2B5EF4-FFF2-40B4-BE49-F238E27FC236}">
-                <a16:creationId xmlns:a16="http://schemas.microsoft.com/office/drawing/2014/main" id="{1C6A2699-922D-4CF2-B863-F0F77493E16D}"/>
-              </a:ext>
-            </a:extLst>
-          </p:cNvPr>
-          <p:cNvSpPr>
-            <a:spLocks noGrp="1"/>
-          </p:cNvSpPr>
-          <p:nvPr>
-            <p:ph type="body" sz="quarter" idx="21"/>
-          </p:nvPr>
-        </p:nvSpPr>
-        <p:spPr>
-          <a:xfrm>
-            <a:off x="6238876" y="4145736"/>
-            <a:ext cx="1041852" cy="1041852"/>
-          </a:xfrm>
-        </p:spPr>
-        <p:txBody>
-          <a:bodyPr/>
-          <a:lstStyle/>
-          <a:p>
-            <a:r>
-              <a:rPr lang="es-ES" dirty="0"/>
-              <a:t>04</a:t>
-            </a:r>
-            <a:endParaRPr lang="es-CL" dirty="0"/>
-          </a:p>
-        </p:txBody>
-      </p:sp>
-      <p:sp>
-        <p:nvSpPr>
-          <p:cNvPr id="14" name="Marcador de texto 13">
-            <a:extLst>
-              <a:ext uri="{FF2B5EF4-FFF2-40B4-BE49-F238E27FC236}">
-                <a16:creationId xmlns:a16="http://schemas.microsoft.com/office/drawing/2014/main" id="{96B20024-9592-4433-9017-58BC4455C9AE}"/>
-              </a:ext>
-            </a:extLst>
-          </p:cNvPr>
-          <p:cNvSpPr>
-            <a:spLocks noGrp="1"/>
-          </p:cNvSpPr>
-          <p:nvPr>
-            <p:ph type="body" sz="quarter" idx="22"/>
-          </p:nvPr>
-        </p:nvSpPr>
-        <p:spPr>
-          <a:xfrm>
-            <a:off x="7280728" y="4145736"/>
-            <a:ext cx="4215947" cy="1041852"/>
-          </a:xfrm>
-        </p:spPr>
-        <p:txBody>
-          <a:bodyPr/>
-          <a:lstStyle/>
-          <a:p>
-            <a:r>
-              <a:rPr lang="es-ES" b="1" dirty="0"/>
-              <a:t>Casos de estudio y aplicaciones prácticas</a:t>
-            </a:r>
-          </a:p>
-          <a:p>
-            <a:r>
-              <a:rPr lang="es-ES" dirty="0"/>
-              <a:t>Explorar ejemplos prácticos y casos de estudio que permitan aplicar los conceptos y técnicas aprendidas en contextos reales.</a:t>
-            </a:r>
-            <a:endParaRPr lang="es-CL" dirty="0"/>
-          </a:p>
-        </p:txBody>
-      </p:sp>
+              <a:rPr lang="es-ES" sz="2000" dirty="0"/>
+              <a:t>Joshua Kunst Fuentes</a:t>
+            </a:r>
+            <a:endParaRPr lang="es-CL" sz="2000" dirty="0"/>
+          </a:p>
+        </p:txBody>
+      </p:sp>
+      <p:pic>
+        <p:nvPicPr>
+          <p:cNvPr id="20" name="Marcador de posición de imagen 19" descr="Un dibujo de un pizarrón&#10;&#10;Descripción generada automáticamente con confianza baja">
+            <a:extLst>
+              <a:ext uri="{FF2B5EF4-FFF2-40B4-BE49-F238E27FC236}">
+                <a16:creationId xmlns:a16="http://schemas.microsoft.com/office/drawing/2014/main" id="{350DDDC3-F84D-F4F5-BEBD-A28F0AAE5354}"/>
+              </a:ext>
+            </a:extLst>
+          </p:cNvPr>
+          <p:cNvPicPr>
+            <a:picLocks noGrp="1" noChangeAspect="1"/>
+          </p:cNvPicPr>
+          <p:nvPr>
+            <p:ph type="pic" idx="12"/>
+          </p:nvPr>
+        </p:nvPicPr>
+        <p:blipFill>
+          <a:blip r:embed="rId3">
+            <a:extLst>
+              <a:ext uri="{28A0092B-C50C-407E-A947-70E740481C1C}">
+                <a14:useLocalDpi xmlns:a14="http://schemas.microsoft.com/office/drawing/2010/main" val="0"/>
+              </a:ext>
+            </a:extLst>
+          </a:blip>
+          <a:srcRect l="16458" r="16458"/>
+          <a:stretch>
+            <a:fillRect/>
+          </a:stretch>
+        </p:blipFill>
+        <p:spPr/>
+      </p:pic>
+      <p:pic>
+        <p:nvPicPr>
+          <p:cNvPr id="22" name="Marcador de posición de imagen 21" descr="Un conjunto de letras blancas en un fondo blanco&#10;&#10;Descripción generada automáticamente con confianza media">
+            <a:extLst>
+              <a:ext uri="{FF2B5EF4-FFF2-40B4-BE49-F238E27FC236}">
+                <a16:creationId xmlns:a16="http://schemas.microsoft.com/office/drawing/2014/main" id="{A56CAFEC-44AF-E2A4-6110-F7AC1BDA2040}"/>
+              </a:ext>
+            </a:extLst>
+          </p:cNvPr>
+          <p:cNvPicPr>
+            <a:picLocks noGrp="1" noChangeAspect="1"/>
+          </p:cNvPicPr>
+          <p:nvPr>
+            <p:ph type="pic" idx="13"/>
+          </p:nvPr>
+        </p:nvPicPr>
+        <p:blipFill>
+          <a:blip r:embed="rId4">
+            <a:extLst>
+              <a:ext uri="{28A0092B-C50C-407E-A947-70E740481C1C}">
+                <a14:useLocalDpi xmlns:a14="http://schemas.microsoft.com/office/drawing/2010/main" val="0"/>
+              </a:ext>
+            </a:extLst>
+          </a:blip>
+          <a:srcRect l="16458" r="16458"/>
+          <a:stretch>
+            <a:fillRect/>
+          </a:stretch>
+        </p:blipFill>
+        <p:spPr/>
+      </p:pic>
+      <p:pic>
+        <p:nvPicPr>
+          <p:cNvPr id="24" name="Marcador de posición de imagen 23" descr="Imagen que contiene Dibujo de ingeniería&#10;&#10;Descripción generada automáticamente">
+            <a:extLst>
+              <a:ext uri="{FF2B5EF4-FFF2-40B4-BE49-F238E27FC236}">
+                <a16:creationId xmlns:a16="http://schemas.microsoft.com/office/drawing/2014/main" id="{6F011645-7685-BA37-8387-4CC5464B4C38}"/>
+              </a:ext>
+            </a:extLst>
+          </p:cNvPr>
+          <p:cNvPicPr>
+            <a:picLocks noGrp="1" noChangeAspect="1"/>
+          </p:cNvPicPr>
+          <p:nvPr>
+            <p:ph type="pic" idx="14"/>
+          </p:nvPr>
+        </p:nvPicPr>
+        <p:blipFill>
+          <a:blip r:embed="rId5">
+            <a:extLst>
+              <a:ext uri="{28A0092B-C50C-407E-A947-70E740481C1C}">
+                <a14:useLocalDpi xmlns:a14="http://schemas.microsoft.com/office/drawing/2010/main" val="0"/>
+              </a:ext>
+            </a:extLst>
+          </a:blip>
+          <a:srcRect l="16458" r="16458"/>
+          <a:stretch>
+            <a:fillRect/>
+          </a:stretch>
+        </p:blipFill>
+        <p:spPr/>
+      </p:pic>
     </p:spTree>
     <p:extLst>
       <p:ext uri="{BB962C8B-B14F-4D97-AF65-F5344CB8AC3E}">
-        <p14:creationId xmlns:p14="http://schemas.microsoft.com/office/powerpoint/2010/main" val="2072694908"/>
+        <p14:creationId xmlns:p14="http://schemas.microsoft.com/office/powerpoint/2010/main" val="3302127388"/>
       </p:ext>
     </p:extLst>
   </p:cSld>
@@ -9694,7 +9601,7 @@
           <p:cNvPr id="2" name="Título 1">
             <a:extLst>
               <a:ext uri="{FF2B5EF4-FFF2-40B4-BE49-F238E27FC236}">
-                <a16:creationId xmlns:a16="http://schemas.microsoft.com/office/drawing/2014/main" id="{3AF49B74-E007-496D-ABBE-A17E2ED5765F}"/>
+                <a16:creationId xmlns:a16="http://schemas.microsoft.com/office/drawing/2014/main" id="{C14EBB09-0EED-4C96-AA86-AAD1D9631D4F}"/>
               </a:ext>
             </a:extLst>
           </p:cNvPr>
@@ -9703,68 +9610,6 @@
           </p:cNvSpPr>
           <p:nvPr>
             <p:ph type="ctrTitle"/>
-          </p:nvPr>
-        </p:nvSpPr>
-        <p:spPr/>
-        <p:txBody>
-          <a:bodyPr>
-            <a:normAutofit fontScale="90000"/>
-          </a:bodyPr>
-          <a:lstStyle/>
-          <a:p>
-            <a:r>
-              <a:rPr lang="es-ES" dirty="0"/>
-              <a:t>Acerca del Profesor</a:t>
-            </a:r>
-            <a:endParaRPr lang="es-CL" dirty="0"/>
-          </a:p>
-        </p:txBody>
-      </p:sp>
-      <p:pic>
-        <p:nvPicPr>
-          <p:cNvPr id="18" name="Marcador de posición de imagen 17" descr="Mapa&#10;&#10;Descripción generada automáticamente">
-            <a:extLst>
-              <a:ext uri="{FF2B5EF4-FFF2-40B4-BE49-F238E27FC236}">
-                <a16:creationId xmlns:a16="http://schemas.microsoft.com/office/drawing/2014/main" id="{EB074998-5F9B-9A51-6DE1-95F99E7DF7AA}"/>
-              </a:ext>
-            </a:extLst>
-          </p:cNvPr>
-          <p:cNvPicPr>
-            <a:picLocks noGrp="1" noChangeAspect="1"/>
-          </p:cNvPicPr>
-          <p:nvPr>
-            <p:ph type="pic" idx="1"/>
-          </p:nvPr>
-        </p:nvPicPr>
-        <p:blipFill>
-          <a:blip r:embed="rId2">
-            <a:extLst>
-              <a:ext uri="{28A0092B-C50C-407E-A947-70E740481C1C}">
-                <a14:useLocalDpi xmlns:a14="http://schemas.microsoft.com/office/drawing/2010/main" val="0"/>
-              </a:ext>
-            </a:extLst>
-          </a:blip>
-          <a:srcRect l="2296" r="2296"/>
-          <a:stretch>
-            <a:fillRect/>
-          </a:stretch>
-        </p:blipFill>
-        <p:spPr/>
-      </p:pic>
-      <p:sp>
-        <p:nvSpPr>
-          <p:cNvPr id="4" name="Marcador de texto 3">
-            <a:extLst>
-              <a:ext uri="{FF2B5EF4-FFF2-40B4-BE49-F238E27FC236}">
-                <a16:creationId xmlns:a16="http://schemas.microsoft.com/office/drawing/2014/main" id="{A0DC2E76-B6EF-46E8-BBA7-08C0FF52C638}"/>
-              </a:ext>
-            </a:extLst>
-          </p:cNvPr>
-          <p:cNvSpPr>
-            <a:spLocks noGrp="1"/>
-          </p:cNvSpPr>
-          <p:nvPr>
-            <p:ph type="body" idx="10"/>
           </p:nvPr>
         </p:nvSpPr>
         <p:spPr/>
@@ -9772,51 +9617,9 @@
           <a:bodyPr/>
           <a:lstStyle/>
           <a:p>
-            <a:pPr marL="285750" indent="-285750">
-              <a:buFontTx/>
-              <a:buChar char="-"/>
-            </a:pPr>
             <a:r>
               <a:rPr lang="es-ES" dirty="0"/>
-              <a:t>Magíster Estadística.</a:t>
-            </a:r>
-          </a:p>
-          <a:p>
-            <a:pPr marL="285750" indent="-285750">
-              <a:buFontTx/>
-              <a:buChar char="-"/>
-            </a:pPr>
-            <a:r>
-              <a:rPr lang="es-ES" dirty="0"/>
-              <a:t>10 años en Riesgo Crédito.</a:t>
-            </a:r>
-          </a:p>
-          <a:p>
-            <a:pPr marL="285750" indent="-285750">
-              <a:buFontTx/>
-              <a:buChar char="-"/>
-            </a:pPr>
-            <a:r>
-              <a:rPr lang="es-ES" dirty="0"/>
-              <a:t>Profesor de distintos cursos de </a:t>
-            </a:r>
-            <a:r>
-              <a:rPr lang="es-ES" dirty="0" err="1"/>
-              <a:t>pregardo</a:t>
-            </a:r>
-            <a:r>
-              <a:rPr lang="es-ES" dirty="0"/>
-              <a:t>, diplomados y magíster.</a:t>
-            </a:r>
-          </a:p>
-          <a:p>
-            <a:pPr marL="285750" indent="-285750">
-              <a:buFontTx/>
-              <a:buChar char="-"/>
-            </a:pPr>
-            <a:r>
-              <a:rPr lang="es-ES" dirty="0"/>
-              <a:t>Desarrollador de paquetes de R.</a:t>
+              <a:t>Acerca del Curso</a:t>
             </a:r>
             <a:endParaRPr lang="es-CL" dirty="0"/>
           </a:p>
@@ -9824,10 +9627,10 @@
       </p:sp>
       <p:sp>
         <p:nvSpPr>
-          <p:cNvPr id="5" name="Marcador de texto 4">
-            <a:extLst>
-              <a:ext uri="{FF2B5EF4-FFF2-40B4-BE49-F238E27FC236}">
-                <a16:creationId xmlns:a16="http://schemas.microsoft.com/office/drawing/2014/main" id="{2F475CEB-FD7F-443E-8795-F238F1937B3A}"/>
+          <p:cNvPr id="3" name="Marcador de texto 2">
+            <a:extLst>
+              <a:ext uri="{FF2B5EF4-FFF2-40B4-BE49-F238E27FC236}">
+                <a16:creationId xmlns:a16="http://schemas.microsoft.com/office/drawing/2014/main" id="{AEC3911E-7A8C-41F3-991C-5CA2F0560598}"/>
               </a:ext>
             </a:extLst>
           </p:cNvPr>
@@ -9838,116 +9641,313 @@
             <p:ph type="body" sz="quarter" idx="11"/>
           </p:nvPr>
         </p:nvSpPr>
-        <p:spPr/>
+        <p:spPr>
+          <a:xfrm>
+            <a:off x="695326" y="2939236"/>
+            <a:ext cx="1041852" cy="1041852"/>
+          </a:xfrm>
+        </p:spPr>
         <p:txBody>
           <a:bodyPr/>
           <a:lstStyle/>
           <a:p>
             <a:r>
-              <a:rPr lang="es-ES" sz="2000" dirty="0"/>
-              <a:t>Joshua Kunst Fuentes</a:t>
-            </a:r>
-            <a:endParaRPr lang="es-CL" sz="2000" dirty="0"/>
-          </a:p>
-        </p:txBody>
-      </p:sp>
-      <p:pic>
-        <p:nvPicPr>
-          <p:cNvPr id="20" name="Marcador de posición de imagen 19" descr="Un dibujo de un pizarrón&#10;&#10;Descripción generada automáticamente con confianza baja">
-            <a:extLst>
-              <a:ext uri="{FF2B5EF4-FFF2-40B4-BE49-F238E27FC236}">
-                <a16:creationId xmlns:a16="http://schemas.microsoft.com/office/drawing/2014/main" id="{350DDDC3-F84D-F4F5-BEBD-A28F0AAE5354}"/>
-              </a:ext>
-            </a:extLst>
-          </p:cNvPr>
-          <p:cNvPicPr>
-            <a:picLocks noGrp="1" noChangeAspect="1"/>
-          </p:cNvPicPr>
-          <p:nvPr>
-            <p:ph type="pic" idx="12"/>
-          </p:nvPr>
-        </p:nvPicPr>
-        <p:blipFill>
-          <a:blip r:embed="rId3">
-            <a:extLst>
-              <a:ext uri="{28A0092B-C50C-407E-A947-70E740481C1C}">
-                <a14:useLocalDpi xmlns:a14="http://schemas.microsoft.com/office/drawing/2010/main" val="0"/>
-              </a:ext>
-            </a:extLst>
-          </a:blip>
-          <a:srcRect l="16458" r="16458"/>
-          <a:stretch>
-            <a:fillRect/>
-          </a:stretch>
-        </p:blipFill>
-        <p:spPr/>
-      </p:pic>
-      <p:pic>
-        <p:nvPicPr>
-          <p:cNvPr id="22" name="Marcador de posición de imagen 21" descr="Un conjunto de letras blancas en un fondo blanco&#10;&#10;Descripción generada automáticamente con confianza media">
-            <a:extLst>
-              <a:ext uri="{FF2B5EF4-FFF2-40B4-BE49-F238E27FC236}">
-                <a16:creationId xmlns:a16="http://schemas.microsoft.com/office/drawing/2014/main" id="{A56CAFEC-44AF-E2A4-6110-F7AC1BDA2040}"/>
-              </a:ext>
-            </a:extLst>
-          </p:cNvPr>
-          <p:cNvPicPr>
-            <a:picLocks noGrp="1" noChangeAspect="1"/>
-          </p:cNvPicPr>
-          <p:nvPr>
-            <p:ph type="pic" idx="13"/>
-          </p:nvPr>
-        </p:nvPicPr>
-        <p:blipFill>
-          <a:blip r:embed="rId4">
-            <a:extLst>
-              <a:ext uri="{28A0092B-C50C-407E-A947-70E740481C1C}">
-                <a14:useLocalDpi xmlns:a14="http://schemas.microsoft.com/office/drawing/2010/main" val="0"/>
-              </a:ext>
-            </a:extLst>
-          </a:blip>
-          <a:srcRect l="16458" r="16458"/>
-          <a:stretch>
-            <a:fillRect/>
-          </a:stretch>
-        </p:blipFill>
-        <p:spPr/>
-      </p:pic>
-      <p:pic>
-        <p:nvPicPr>
-          <p:cNvPr id="24" name="Marcador de posición de imagen 23" descr="Imagen que contiene Dibujo de ingeniería&#10;&#10;Descripción generada automáticamente">
-            <a:extLst>
-              <a:ext uri="{FF2B5EF4-FFF2-40B4-BE49-F238E27FC236}">
-                <a16:creationId xmlns:a16="http://schemas.microsoft.com/office/drawing/2014/main" id="{6F011645-7685-BA37-8387-4CC5464B4C38}"/>
-              </a:ext>
-            </a:extLst>
-          </p:cNvPr>
-          <p:cNvPicPr>
-            <a:picLocks noGrp="1" noChangeAspect="1"/>
-          </p:cNvPicPr>
-          <p:nvPr>
-            <p:ph type="pic" idx="14"/>
-          </p:nvPr>
-        </p:nvPicPr>
-        <p:blipFill>
-          <a:blip r:embed="rId5">
-            <a:extLst>
-              <a:ext uri="{28A0092B-C50C-407E-A947-70E740481C1C}">
-                <a14:useLocalDpi xmlns:a14="http://schemas.microsoft.com/office/drawing/2010/main" val="0"/>
-              </a:ext>
-            </a:extLst>
-          </a:blip>
-          <a:srcRect l="16458" r="16458"/>
-          <a:stretch>
-            <a:fillRect/>
-          </a:stretch>
-        </p:blipFill>
-        <p:spPr/>
-      </p:pic>
+              <a:rPr lang="es-ES" dirty="0"/>
+              <a:t>01</a:t>
+            </a:r>
+            <a:endParaRPr lang="es-CL" dirty="0"/>
+          </a:p>
+        </p:txBody>
+      </p:sp>
+      <p:sp>
+        <p:nvSpPr>
+          <p:cNvPr id="4" name="Marcador de texto 3">
+            <a:extLst>
+              <a:ext uri="{FF2B5EF4-FFF2-40B4-BE49-F238E27FC236}">
+                <a16:creationId xmlns:a16="http://schemas.microsoft.com/office/drawing/2014/main" id="{FD021310-3E29-4874-8486-1938FA25FA22}"/>
+              </a:ext>
+            </a:extLst>
+          </p:cNvPr>
+          <p:cNvSpPr>
+            <a:spLocks noGrp="1"/>
+          </p:cNvSpPr>
+          <p:nvPr>
+            <p:ph type="body" sz="quarter" idx="12"/>
+          </p:nvPr>
+        </p:nvSpPr>
+        <p:spPr>
+          <a:xfrm>
+            <a:off x="1737179" y="2939236"/>
+            <a:ext cx="4215946" cy="1041852"/>
+          </a:xfrm>
+        </p:spPr>
+        <p:txBody>
+          <a:bodyPr/>
+          <a:lstStyle/>
+          <a:p>
+            <a:r>
+              <a:rPr lang="es-CL" b="1" dirty="0"/>
+              <a:t>Comprender los fundamentos teóricos</a:t>
+            </a:r>
+          </a:p>
+          <a:p>
+            <a:r>
+              <a:rPr lang="es-ES" dirty="0"/>
+              <a:t>Principios y conceptos fundamentales de </a:t>
+            </a:r>
+            <a:r>
+              <a:rPr lang="es-ES" dirty="0" err="1"/>
+              <a:t>dataviz</a:t>
+            </a:r>
+            <a:r>
+              <a:rPr lang="es-ES" dirty="0"/>
+              <a:t>: modelo conceptual, transformaciones de datos, representaciones visuales.</a:t>
+            </a:r>
+            <a:endParaRPr lang="es-CL" dirty="0"/>
+          </a:p>
+        </p:txBody>
+      </p:sp>
+      <p:sp>
+        <p:nvSpPr>
+          <p:cNvPr id="5" name="Marcador de texto 4">
+            <a:extLst>
+              <a:ext uri="{FF2B5EF4-FFF2-40B4-BE49-F238E27FC236}">
+                <a16:creationId xmlns:a16="http://schemas.microsoft.com/office/drawing/2014/main" id="{88B72D23-8990-4DF4-82E2-AC34D87897CC}"/>
+              </a:ext>
+            </a:extLst>
+          </p:cNvPr>
+          <p:cNvSpPr>
+            <a:spLocks noGrp="1"/>
+          </p:cNvSpPr>
+          <p:nvPr>
+            <p:ph type="body" sz="quarter" idx="13"/>
+          </p:nvPr>
+        </p:nvSpPr>
+        <p:spPr>
+          <a:xfrm>
+            <a:off x="6238877" y="2939236"/>
+            <a:ext cx="1041852" cy="1041852"/>
+          </a:xfrm>
+        </p:spPr>
+        <p:txBody>
+          <a:bodyPr/>
+          <a:lstStyle/>
+          <a:p>
+            <a:r>
+              <a:rPr lang="es-ES" dirty="0"/>
+              <a:t>02</a:t>
+            </a:r>
+            <a:endParaRPr lang="es-CL" dirty="0"/>
+          </a:p>
+        </p:txBody>
+      </p:sp>
+      <p:sp>
+        <p:nvSpPr>
+          <p:cNvPr id="6" name="Marcador de texto 5">
+            <a:extLst>
+              <a:ext uri="{FF2B5EF4-FFF2-40B4-BE49-F238E27FC236}">
+                <a16:creationId xmlns:a16="http://schemas.microsoft.com/office/drawing/2014/main" id="{A941F3D3-076D-4B02-96EE-1990A130DC74}"/>
+              </a:ext>
+            </a:extLst>
+          </p:cNvPr>
+          <p:cNvSpPr>
+            <a:spLocks noGrp="1"/>
+          </p:cNvSpPr>
+          <p:nvPr>
+            <p:ph type="body" sz="quarter" idx="14"/>
+          </p:nvPr>
+        </p:nvSpPr>
+        <p:spPr>
+          <a:xfrm>
+            <a:off x="7280729" y="2939236"/>
+            <a:ext cx="4215947" cy="1041852"/>
+          </a:xfrm>
+        </p:spPr>
+        <p:txBody>
+          <a:bodyPr/>
+          <a:lstStyle/>
+          <a:p>
+            <a:r>
+              <a:rPr lang="es-ES" b="1" dirty="0"/>
+              <a:t>Técnicas de diseño efectivas</a:t>
+            </a:r>
+          </a:p>
+          <a:p>
+            <a:r>
+              <a:rPr lang="es-ES" dirty="0"/>
+              <a:t>Comprensión de las tareas y audiencias, selección de representaciones visuales adecuadas, aplicación de principios de diseño y la evaluación de la usabilidad de las visualizaciones.</a:t>
+            </a:r>
+            <a:endParaRPr lang="es-CL" dirty="0"/>
+          </a:p>
+        </p:txBody>
+      </p:sp>
+      <p:sp>
+        <p:nvSpPr>
+          <p:cNvPr id="11" name="Marcador de texto 10">
+            <a:extLst>
+              <a:ext uri="{FF2B5EF4-FFF2-40B4-BE49-F238E27FC236}">
+                <a16:creationId xmlns:a16="http://schemas.microsoft.com/office/drawing/2014/main" id="{17C90545-10ED-4469-B380-EA20591C0E1B}"/>
+              </a:ext>
+            </a:extLst>
+          </p:cNvPr>
+          <p:cNvSpPr>
+            <a:spLocks noGrp="1"/>
+          </p:cNvSpPr>
+          <p:nvPr>
+            <p:ph type="body" sz="quarter" idx="19"/>
+          </p:nvPr>
+        </p:nvSpPr>
+        <p:spPr>
+          <a:xfrm>
+            <a:off x="695325" y="4145736"/>
+            <a:ext cx="1041852" cy="1041852"/>
+          </a:xfrm>
+        </p:spPr>
+        <p:txBody>
+          <a:bodyPr/>
+          <a:lstStyle/>
+          <a:p>
+            <a:r>
+              <a:rPr lang="es-ES" dirty="0"/>
+              <a:t>03</a:t>
+            </a:r>
+            <a:endParaRPr lang="es-CL" dirty="0"/>
+          </a:p>
+        </p:txBody>
+      </p:sp>
+      <p:sp>
+        <p:nvSpPr>
+          <p:cNvPr id="12" name="Marcador de texto 11">
+            <a:extLst>
+              <a:ext uri="{FF2B5EF4-FFF2-40B4-BE49-F238E27FC236}">
+                <a16:creationId xmlns:a16="http://schemas.microsoft.com/office/drawing/2014/main" id="{FA1CC9F1-2751-47B0-965C-9D66AFAA4B54}"/>
+              </a:ext>
+            </a:extLst>
+          </p:cNvPr>
+          <p:cNvSpPr>
+            <a:spLocks noGrp="1"/>
+          </p:cNvSpPr>
+          <p:nvPr>
+            <p:ph type="body" sz="quarter" idx="20"/>
+          </p:nvPr>
+        </p:nvSpPr>
+        <p:spPr>
+          <a:xfrm>
+            <a:off x="1737177" y="4145736"/>
+            <a:ext cx="4215947" cy="1041852"/>
+          </a:xfrm>
+          <a:solidFill>
+            <a:schemeClr val="bg1"/>
+          </a:solidFill>
+        </p:spPr>
+        <p:txBody>
+          <a:bodyPr lIns="216000" tIns="216000" rIns="216000" bIns="216000" anchor="ctr" anchorCtr="0"/>
+          <a:lstStyle/>
+          <a:p>
+            <a:r>
+              <a:rPr lang="es-ES" b="1" dirty="0"/>
+              <a:t>Herramientas y tecnologías</a:t>
+            </a:r>
+          </a:p>
+          <a:p>
+            <a:r>
+              <a:rPr lang="es-ES" dirty="0"/>
+              <a:t>Adquirir habilidades prácticas en el uso de herramientas y tecnologías específicas para la visualización de datos: ggplot2, </a:t>
+            </a:r>
+            <a:r>
+              <a:rPr lang="es-ES" dirty="0" err="1"/>
+              <a:t>htmlwidgets</a:t>
+            </a:r>
+            <a:r>
+              <a:rPr lang="es-ES" dirty="0"/>
+              <a:t>, </a:t>
+            </a:r>
+            <a:r>
+              <a:rPr lang="es-ES" dirty="0" err="1"/>
+              <a:t>shiny</a:t>
+            </a:r>
+            <a:endParaRPr lang="es-CL" dirty="0"/>
+          </a:p>
+        </p:txBody>
+      </p:sp>
+      <p:sp>
+        <p:nvSpPr>
+          <p:cNvPr id="13" name="Marcador de texto 12">
+            <a:extLst>
+              <a:ext uri="{FF2B5EF4-FFF2-40B4-BE49-F238E27FC236}">
+                <a16:creationId xmlns:a16="http://schemas.microsoft.com/office/drawing/2014/main" id="{1C6A2699-922D-4CF2-B863-F0F77493E16D}"/>
+              </a:ext>
+            </a:extLst>
+          </p:cNvPr>
+          <p:cNvSpPr>
+            <a:spLocks noGrp="1"/>
+          </p:cNvSpPr>
+          <p:nvPr>
+            <p:ph type="body" sz="quarter" idx="21"/>
+          </p:nvPr>
+        </p:nvSpPr>
+        <p:spPr>
+          <a:xfrm>
+            <a:off x="6238876" y="4145736"/>
+            <a:ext cx="1041852" cy="1041852"/>
+          </a:xfrm>
+        </p:spPr>
+        <p:txBody>
+          <a:bodyPr/>
+          <a:lstStyle/>
+          <a:p>
+            <a:r>
+              <a:rPr lang="es-ES" dirty="0"/>
+              <a:t>04</a:t>
+            </a:r>
+            <a:endParaRPr lang="es-CL" dirty="0"/>
+          </a:p>
+        </p:txBody>
+      </p:sp>
+      <p:sp>
+        <p:nvSpPr>
+          <p:cNvPr id="14" name="Marcador de texto 13">
+            <a:extLst>
+              <a:ext uri="{FF2B5EF4-FFF2-40B4-BE49-F238E27FC236}">
+                <a16:creationId xmlns:a16="http://schemas.microsoft.com/office/drawing/2014/main" id="{96B20024-9592-4433-9017-58BC4455C9AE}"/>
+              </a:ext>
+            </a:extLst>
+          </p:cNvPr>
+          <p:cNvSpPr>
+            <a:spLocks noGrp="1"/>
+          </p:cNvSpPr>
+          <p:nvPr>
+            <p:ph type="body" sz="quarter" idx="22"/>
+          </p:nvPr>
+        </p:nvSpPr>
+        <p:spPr>
+          <a:xfrm>
+            <a:off x="7280728" y="4145736"/>
+            <a:ext cx="4215947" cy="1041852"/>
+          </a:xfrm>
+        </p:spPr>
+        <p:txBody>
+          <a:bodyPr/>
+          <a:lstStyle/>
+          <a:p>
+            <a:r>
+              <a:rPr lang="es-ES" b="1" dirty="0"/>
+              <a:t>Casos de estudio y aplicaciones prácticas</a:t>
+            </a:r>
+          </a:p>
+          <a:p>
+            <a:r>
+              <a:rPr lang="es-ES" dirty="0"/>
+              <a:t>Explorar ejemplos prácticos y casos de estudio que permitan aplicar los conceptos y técnicas aprendidas en contextos reales.</a:t>
+            </a:r>
+            <a:endParaRPr lang="es-CL" dirty="0"/>
+          </a:p>
+        </p:txBody>
+      </p:sp>
     </p:spTree>
     <p:extLst>
       <p:ext uri="{BB962C8B-B14F-4D97-AF65-F5344CB8AC3E}">
-        <p14:creationId xmlns:p14="http://schemas.microsoft.com/office/powerpoint/2010/main" val="3302127388"/>
+        <p14:creationId xmlns:p14="http://schemas.microsoft.com/office/powerpoint/2010/main" val="2072694908"/>
       </p:ext>
     </p:extLst>
   </p:cSld>
